--- a/Project.pptx
+++ b/Project.pptx
@@ -111,6 +111,22 @@
       </a:defRPr>
     </a:lvl9pPr>
   </p:defaultTextStyle>
+  <p:extLst>
+    <p:ext uri="{EFAFB233-063F-42B5-8137-9DF3F51BA10A}">
+      <p15:sldGuideLst xmlns:p15="http://schemas.microsoft.com/office/powerpoint/2012/main">
+        <p15:guide id="1" orient="horz" pos="2160">
+          <p15:clr>
+            <a:srgbClr val="A4A3A4"/>
+          </p15:clr>
+        </p15:guide>
+        <p15:guide id="2" pos="2880">
+          <p15:clr>
+            <a:srgbClr val="A4A3A4"/>
+          </p15:clr>
+        </p15:guide>
+      </p15:sldGuideLst>
+    </p:ext>
+  </p:extLst>
 </p:presentation>
 </file>
 
@@ -287,7 +303,7 @@
           <a:p>
             <a:fld id="{7C5AD2F5-7B1B-45E3-A5DF-D45A6C6080C3}" type="datetimeFigureOut">
               <a:rPr lang="ru-RU" smtClean="0"/>
-              <a:t>28.02.2018</a:t>
+              <a:t>14.03.2018</a:t>
             </a:fld>
             <a:endParaRPr lang="ru-RU"/>
           </a:p>
@@ -452,7 +468,7 @@
           <a:p>
             <a:fld id="{7C5AD2F5-7B1B-45E3-A5DF-D45A6C6080C3}" type="datetimeFigureOut">
               <a:rPr lang="ru-RU" smtClean="0"/>
-              <a:t>28.02.2018</a:t>
+              <a:t>14.03.2018</a:t>
             </a:fld>
             <a:endParaRPr lang="ru-RU"/>
           </a:p>
@@ -627,7 +643,7 @@
           <a:p>
             <a:fld id="{7C5AD2F5-7B1B-45E3-A5DF-D45A6C6080C3}" type="datetimeFigureOut">
               <a:rPr lang="ru-RU" smtClean="0"/>
-              <a:t>28.02.2018</a:t>
+              <a:t>14.03.2018</a:t>
             </a:fld>
             <a:endParaRPr lang="ru-RU"/>
           </a:p>
@@ -792,7 +808,7 @@
           <a:p>
             <a:fld id="{7C5AD2F5-7B1B-45E3-A5DF-D45A6C6080C3}" type="datetimeFigureOut">
               <a:rPr lang="ru-RU" smtClean="0"/>
-              <a:t>28.02.2018</a:t>
+              <a:t>14.03.2018</a:t>
             </a:fld>
             <a:endParaRPr lang="ru-RU"/>
           </a:p>
@@ -1034,7 +1050,7 @@
           <a:p>
             <a:fld id="{7C5AD2F5-7B1B-45E3-A5DF-D45A6C6080C3}" type="datetimeFigureOut">
               <a:rPr lang="ru-RU" smtClean="0"/>
-              <a:t>28.02.2018</a:t>
+              <a:t>14.03.2018</a:t>
             </a:fld>
             <a:endParaRPr lang="ru-RU"/>
           </a:p>
@@ -1298,7 +1314,7 @@
           <a:p>
             <a:fld id="{7C5AD2F5-7B1B-45E3-A5DF-D45A6C6080C3}" type="datetimeFigureOut">
               <a:rPr lang="ru-RU" smtClean="0"/>
-              <a:t>28.02.2018</a:t>
+              <a:t>14.03.2018</a:t>
             </a:fld>
             <a:endParaRPr lang="ru-RU"/>
           </a:p>
@@ -1676,7 +1692,7 @@
           <a:p>
             <a:fld id="{7C5AD2F5-7B1B-45E3-A5DF-D45A6C6080C3}" type="datetimeFigureOut">
               <a:rPr lang="ru-RU" smtClean="0"/>
-              <a:t>28.02.2018</a:t>
+              <a:t>14.03.2018</a:t>
             </a:fld>
             <a:endParaRPr lang="ru-RU"/>
           </a:p>
@@ -1826,7 +1842,7 @@
           <a:p>
             <a:fld id="{7C5AD2F5-7B1B-45E3-A5DF-D45A6C6080C3}" type="datetimeFigureOut">
               <a:rPr lang="ru-RU" smtClean="0"/>
-              <a:t>28.02.2018</a:t>
+              <a:t>14.03.2018</a:t>
             </a:fld>
             <a:endParaRPr lang="ru-RU"/>
           </a:p>
@@ -1916,7 +1932,7 @@
           <a:p>
             <a:fld id="{7C5AD2F5-7B1B-45E3-A5DF-D45A6C6080C3}" type="datetimeFigureOut">
               <a:rPr lang="ru-RU" smtClean="0"/>
-              <a:t>28.02.2018</a:t>
+              <a:t>14.03.2018</a:t>
             </a:fld>
             <a:endParaRPr lang="ru-RU"/>
           </a:p>
@@ -2177,7 +2193,7 @@
           <a:p>
             <a:fld id="{7C5AD2F5-7B1B-45E3-A5DF-D45A6C6080C3}" type="datetimeFigureOut">
               <a:rPr lang="ru-RU" smtClean="0"/>
-              <a:t>28.02.2018</a:t>
+              <a:t>14.03.2018</a:t>
             </a:fld>
             <a:endParaRPr lang="ru-RU"/>
           </a:p>
@@ -2465,7 +2481,7 @@
           <a:p>
             <a:fld id="{7C5AD2F5-7B1B-45E3-A5DF-D45A6C6080C3}" type="datetimeFigureOut">
               <a:rPr lang="ru-RU" smtClean="0"/>
-              <a:t>28.02.2018</a:t>
+              <a:t>14.03.2018</a:t>
             </a:fld>
             <a:endParaRPr lang="ru-RU"/>
           </a:p>
@@ -3236,7 +3252,7 @@
           <a:p>
             <a:fld id="{7C5AD2F5-7B1B-45E3-A5DF-D45A6C6080C3}" type="datetimeFigureOut">
               <a:rPr lang="ru-RU" smtClean="0"/>
-              <a:t>28.02.2018</a:t>
+              <a:t>14.03.2018</a:t>
             </a:fld>
             <a:endParaRPr lang="ru-RU"/>
           </a:p>
@@ -3961,6 +3977,13 @@
   <p:clrMapOvr>
     <a:masterClrMapping/>
   </p:clrMapOvr>
+  <p:timing>
+    <p:tnLst>
+      <p:par>
+        <p:cTn id="1" dur="indefinite" restart="never" nodeType="tmRoot"/>
+      </p:par>
+    </p:tnLst>
+  </p:timing>
 </p:sld>
 </file>
 
@@ -4004,75 +4027,77 @@
           </a:p>
         </p:txBody>
       </p:sp>
+      <p:sp>
+        <p:nvSpPr>
+          <p:cNvPr id="5" name="TextBox 4"/>
+          <p:cNvSpPr txBox="1"/>
+          <p:nvPr/>
+        </p:nvSpPr>
+        <p:spPr>
+          <a:xfrm>
+            <a:off x="971600" y="5949280"/>
+            <a:ext cx="7776864" cy="369332"/>
+          </a:xfrm>
+          <a:prstGeom prst="rect">
+            <a:avLst/>
+          </a:prstGeom>
+          <a:noFill/>
+        </p:spPr>
+        <p:txBody>
+          <a:bodyPr wrap="square" rtlCol="0">
+            <a:spAutoFit/>
+          </a:bodyPr>
+          <a:lstStyle/>
+          <a:p>
+            <a:r>
+              <a:rPr lang="ru-RU" dirty="0" smtClean="0"/>
+              <a:t>Визуализация движения небесных тел и редактирование списка планет.</a:t>
+            </a:r>
+            <a:endParaRPr lang="ru-RU" dirty="0"/>
+          </a:p>
+        </p:txBody>
+      </p:sp>
       <p:pic>
         <p:nvPicPr>
-          <p:cNvPr id="1026" name="Picture 2"/>
+          <p:cNvPr id="4" name="Объект 3"/>
           <p:cNvPicPr>
-            <a:picLocks noGrp="1" noChangeAspect="1" noChangeArrowheads="1"/>
+            <a:picLocks noGrp="1" noChangeAspect="1"/>
           </p:cNvPicPr>
           <p:nvPr>
             <p:ph idx="1"/>
           </p:nvPr>
         </p:nvPicPr>
         <p:blipFill>
-          <a:blip r:embed="rId2" cstate="print"/>
-          <a:srcRect/>
+          <a:blip r:embed="rId2">
+            <a:extLst>
+              <a:ext uri="{28A0092B-C50C-407E-A947-70E740481C1C}">
+                <a14:useLocalDpi xmlns:a14="http://schemas.microsoft.com/office/drawing/2010/main" val="0"/>
+              </a:ext>
+            </a:extLst>
+          </a:blip>
           <a:stretch>
             <a:fillRect/>
           </a:stretch>
         </p:blipFill>
-        <p:spPr bwMode="auto">
-          <a:xfrm>
-            <a:off x="539552" y="1196752"/>
-            <a:ext cx="8046156" cy="4493096"/>
-          </a:xfrm>
-          <a:prstGeom prst="rect">
-            <a:avLst/>
-          </a:prstGeom>
-          <a:noFill/>
-          <a:ln w="9525">
-            <a:noFill/>
-            <a:miter lim="800000"/>
-            <a:headEnd/>
-            <a:tailEnd/>
-          </a:ln>
-        </p:spPr>
-      </p:pic>
-      <p:sp>
-        <p:nvSpPr>
-          <p:cNvPr id="5" name="TextBox 4"/>
-          <p:cNvSpPr txBox="1"/>
-          <p:nvPr/>
-        </p:nvSpPr>
         <p:spPr>
           <a:xfrm>
-            <a:off x="971600" y="5949280"/>
-            <a:ext cx="7776864" cy="369332"/>
-          </a:xfrm>
-          <a:prstGeom prst="rect">
-            <a:avLst/>
-          </a:prstGeom>
-          <a:noFill/>
-        </p:spPr>
-        <p:txBody>
-          <a:bodyPr wrap="square" rtlCol="0">
-            <a:spAutoFit/>
-          </a:bodyPr>
-          <a:lstStyle/>
-          <a:p>
-            <a:r>
-              <a:rPr lang="ru-RU" dirty="0" smtClean="0"/>
-              <a:t>Визуализация движения небесных тел и редактирование списка планет.</a:t>
-            </a:r>
-            <a:endParaRPr lang="ru-RU" dirty="0"/>
-          </a:p>
-        </p:txBody>
-      </p:sp>
+            <a:off x="441865" y="2276872"/>
+            <a:ext cx="8229600" cy="2993517"/>
+          </a:xfrm>
+        </p:spPr>
+      </p:pic>
     </p:spTree>
   </p:cSld>
   <p:clrMapOvr>
     <a:masterClrMapping/>
   </p:clrMapOvr>
+  <p:timing>
+    <p:tnLst>
+      <p:par>
+        <p:cTn id="1" dur="indefinite" restart="never" nodeType="tmRoot"/>
+      </p:par>
+    </p:tnLst>
+  </p:timing>
 </p:sld>
 </file>
 
@@ -4103,77 +4128,486 @@
             <p:ph type="title"/>
           </p:nvPr>
         </p:nvSpPr>
-        <p:spPr/>
+        <p:spPr>
+          <a:xfrm>
+            <a:off x="539552" y="332656"/>
+            <a:ext cx="8229600" cy="1143000"/>
+          </a:xfrm>
+        </p:spPr>
         <p:txBody>
           <a:bodyPr/>
           <a:lstStyle/>
           <a:p>
             <a:r>
               <a:rPr lang="ru-RU" dirty="0" smtClean="0"/>
-              <a:t>Математика…(нет)</a:t>
+              <a:t>Математика</a:t>
             </a:r>
             <a:endParaRPr lang="ru-RU" dirty="0"/>
           </a:p>
         </p:txBody>
       </p:sp>
-      <p:sp>
-        <p:nvSpPr>
-          <p:cNvPr id="3" name="Содержимое 2"/>
-          <p:cNvSpPr>
-            <a:spLocks noGrp="1"/>
-          </p:cNvSpPr>
-          <p:nvPr>
-            <p:ph idx="1"/>
-          </p:nvPr>
-        </p:nvSpPr>
-        <p:spPr/>
-        <p:txBody>
-          <a:bodyPr/>
-          <a:lstStyle/>
-          <a:p>
-            <a:pPr>
-              <a:buNone/>
-            </a:pPr>
-            <a:r>
-              <a:rPr lang="ru-RU" dirty="0" smtClean="0"/>
-              <a:t>Ну она очевидная </a:t>
-            </a:r>
-            <a:r>
-              <a:rPr lang="ru-RU" dirty="0" err="1" smtClean="0"/>
-              <a:t>жы</a:t>
-            </a:r>
-            <a:r>
-              <a:rPr lang="ru-RU" dirty="0" smtClean="0"/>
-              <a:t>, писать лениво.</a:t>
-            </a:r>
-          </a:p>
-          <a:p>
-            <a:pPr>
-              <a:buNone/>
-            </a:pPr>
-            <a:endParaRPr lang="ru-RU" dirty="0" smtClean="0"/>
-          </a:p>
-          <a:p>
-            <a:pPr>
-              <a:buNone/>
-            </a:pPr>
-            <a:r>
-              <a:rPr lang="ru-RU" dirty="0"/>
-              <a:t> </a:t>
-            </a:r>
-            <a:r>
-              <a:rPr lang="ru-RU" dirty="0" smtClean="0"/>
-              <a:t>Может будет подвиг перед сдачей — напишу.</a:t>
-            </a:r>
-            <a:endParaRPr lang="ru-RU" dirty="0"/>
-          </a:p>
-        </p:txBody>
-      </p:sp>
+      <mc:AlternateContent xmlns:mc="http://schemas.openxmlformats.org/markup-compatibility/2006">
+        <mc:Choice xmlns:a14="http://schemas.microsoft.com/office/drawing/2010/main" Requires="a14">
+          <p:sp>
+            <p:nvSpPr>
+              <p:cNvPr id="3" name="Содержимое 2"/>
+              <p:cNvSpPr>
+                <a:spLocks noGrp="1"/>
+              </p:cNvSpPr>
+              <p:nvPr>
+                <p:ph idx="1"/>
+              </p:nvPr>
+            </p:nvSpPr>
+            <p:spPr>
+              <a:xfrm>
+                <a:off x="449925" y="2060848"/>
+                <a:ext cx="8229600" cy="4389120"/>
+              </a:xfrm>
+            </p:spPr>
+            <p:txBody>
+              <a:bodyPr/>
+              <a:lstStyle/>
+              <a:p>
+                <a:pPr>
+                  <a:buNone/>
+                </a:pPr>
+                <a:r>
+                  <a:rPr lang="ru-RU" dirty="0" smtClean="0"/>
+                  <a:t>Матрица поворота:</a:t>
+                </a:r>
+                <a14:m>
+                  <m:oMath xmlns:m="http://schemas.openxmlformats.org/officeDocument/2006/math">
+                    <m:d>
+                      <m:dPr>
+                        <m:begChr m:val="["/>
+                        <m:endChr m:val="]"/>
+                        <m:ctrlPr>
+                          <a:rPr lang="ru-RU" i="1" smtClean="0">
+                            <a:latin typeface="Cambria Math" panose="02040503050406030204" pitchFamily="18" charset="0"/>
+                          </a:rPr>
+                        </m:ctrlPr>
+                      </m:dPr>
+                      <m:e>
+                        <m:m>
+                          <m:mPr>
+                            <m:mcs>
+                              <m:mc>
+                                <m:mcPr>
+                                  <m:count m:val="3"/>
+                                  <m:mcJc m:val="center"/>
+                                </m:mcPr>
+                              </m:mc>
+                            </m:mcs>
+                            <m:ctrlPr>
+                              <a:rPr lang="ru-RU" i="1" smtClean="0">
+                                <a:latin typeface="Cambria Math" panose="02040503050406030204" pitchFamily="18" charset="0"/>
+                              </a:rPr>
+                            </m:ctrlPr>
+                          </m:mPr>
+                          <m:mr>
+                            <m:e>
+                              <m:r>
+                                <m:rPr>
+                                  <m:brk m:alnAt="7"/>
+                                </m:rPr>
+                                <a:rPr lang="en-US" b="0" i="1" smtClean="0">
+                                  <a:latin typeface="Cambria Math" panose="02040503050406030204" pitchFamily="18" charset="0"/>
+                                </a:rPr>
+                                <m:t>1</m:t>
+                              </m:r>
+                            </m:e>
+                            <m:e>
+                              <m:r>
+                                <a:rPr lang="en-US" b="0" i="1" smtClean="0">
+                                  <a:latin typeface="Cambria Math" panose="02040503050406030204" pitchFamily="18" charset="0"/>
+                                </a:rPr>
+                                <m:t>0</m:t>
+                              </m:r>
+                            </m:e>
+                            <m:e>
+                              <m:r>
+                                <a:rPr lang="en-US" b="0" i="1" smtClean="0">
+                                  <a:latin typeface="Cambria Math" panose="02040503050406030204" pitchFamily="18" charset="0"/>
+                                </a:rPr>
+                                <m:t>0</m:t>
+                              </m:r>
+                            </m:e>
+                          </m:mr>
+                          <m:mr>
+                            <m:e>
+                              <m:r>
+                                <a:rPr lang="en-US" b="0" i="1" smtClean="0">
+                                  <a:latin typeface="Cambria Math" panose="02040503050406030204" pitchFamily="18" charset="0"/>
+                                </a:rPr>
+                                <m:t>0</m:t>
+                              </m:r>
+                            </m:e>
+                            <m:e>
+                              <m:r>
+                                <m:rPr>
+                                  <m:sty m:val="p"/>
+                                </m:rPr>
+                                <a:rPr lang="en-US" b="0" i="0" smtClean="0">
+                                  <a:latin typeface="Cambria Math" panose="02040503050406030204" pitchFamily="18" charset="0"/>
+                                </a:rPr>
+                                <m:t>cos</m:t>
+                              </m:r>
+                              <m:r>
+                                <a:rPr lang="en-US" b="0" i="1" smtClean="0">
+                                  <a:latin typeface="Cambria Math" panose="02040503050406030204" pitchFamily="18" charset="0"/>
+                                </a:rPr>
+                                <m:t>⁡(</m:t>
+                              </m:r>
+                              <m:r>
+                                <a:rPr lang="en-US" b="0" i="1" smtClean="0">
+                                  <a:latin typeface="Cambria Math" panose="02040503050406030204" pitchFamily="18" charset="0"/>
+                                </a:rPr>
+                                <m:t>𝑥</m:t>
+                              </m:r>
+                              <m:r>
+                                <a:rPr lang="en-US" b="0" i="1" smtClean="0">
+                                  <a:latin typeface="Cambria Math" panose="02040503050406030204" pitchFamily="18" charset="0"/>
+                                </a:rPr>
+                                <m:t>)</m:t>
+                              </m:r>
+                            </m:e>
+                            <m:e>
+                              <m:r>
+                                <a:rPr lang="en-US" b="0" i="1" smtClean="0">
+                                  <a:latin typeface="Cambria Math" panose="02040503050406030204" pitchFamily="18" charset="0"/>
+                                </a:rPr>
+                                <m:t>−</m:t>
+                              </m:r>
+                              <m:r>
+                                <m:rPr>
+                                  <m:sty m:val="p"/>
+                                </m:rPr>
+                                <a:rPr lang="en-US" b="0" i="0" smtClean="0">
+                                  <a:latin typeface="Cambria Math" panose="02040503050406030204" pitchFamily="18" charset="0"/>
+                                </a:rPr>
+                                <m:t>sin</m:t>
+                              </m:r>
+                              <m:r>
+                                <a:rPr lang="en-US" b="0" i="1" smtClean="0">
+                                  <a:latin typeface="Cambria Math" panose="02040503050406030204" pitchFamily="18" charset="0"/>
+                                </a:rPr>
+                                <m:t>⁡(</m:t>
+                              </m:r>
+                              <m:r>
+                                <a:rPr lang="en-US" b="0" i="1" smtClean="0">
+                                  <a:latin typeface="Cambria Math" panose="02040503050406030204" pitchFamily="18" charset="0"/>
+                                </a:rPr>
+                                <m:t>𝑥</m:t>
+                              </m:r>
+                              <m:r>
+                                <a:rPr lang="en-US" b="0" i="1" smtClean="0">
+                                  <a:latin typeface="Cambria Math" panose="02040503050406030204" pitchFamily="18" charset="0"/>
+                                </a:rPr>
+                                <m:t>)</m:t>
+                              </m:r>
+                            </m:e>
+                          </m:mr>
+                          <m:mr>
+                            <m:e>
+                              <m:r>
+                                <a:rPr lang="en-US" b="0" i="1" smtClean="0">
+                                  <a:latin typeface="Cambria Math" panose="02040503050406030204" pitchFamily="18" charset="0"/>
+                                </a:rPr>
+                                <m:t>0</m:t>
+                              </m:r>
+                            </m:e>
+                            <m:e>
+                              <m:r>
+                                <m:rPr>
+                                  <m:sty m:val="p"/>
+                                </m:rPr>
+                                <a:rPr lang="en-US" b="0" i="0" smtClean="0">
+                                  <a:latin typeface="Cambria Math" panose="02040503050406030204" pitchFamily="18" charset="0"/>
+                                </a:rPr>
+                                <m:t>sin</m:t>
+                              </m:r>
+                              <m:r>
+                                <a:rPr lang="en-US" b="0" i="1" smtClean="0">
+                                  <a:latin typeface="Cambria Math" panose="02040503050406030204" pitchFamily="18" charset="0"/>
+                                </a:rPr>
+                                <m:t>⁡(</m:t>
+                              </m:r>
+                              <m:r>
+                                <a:rPr lang="en-US" b="0" i="1" smtClean="0">
+                                  <a:latin typeface="Cambria Math" panose="02040503050406030204" pitchFamily="18" charset="0"/>
+                                </a:rPr>
+                                <m:t>𝑥</m:t>
+                              </m:r>
+                              <m:r>
+                                <a:rPr lang="en-US" b="0" i="1" smtClean="0">
+                                  <a:latin typeface="Cambria Math" panose="02040503050406030204" pitchFamily="18" charset="0"/>
+                                </a:rPr>
+                                <m:t>)</m:t>
+                              </m:r>
+                            </m:e>
+                            <m:e>
+                              <m:r>
+                                <m:rPr>
+                                  <m:sty m:val="p"/>
+                                </m:rPr>
+                                <a:rPr lang="en-US" b="0" i="0" smtClean="0">
+                                  <a:latin typeface="Cambria Math" panose="02040503050406030204" pitchFamily="18" charset="0"/>
+                                </a:rPr>
+                                <m:t>cos</m:t>
+                              </m:r>
+                              <m:r>
+                                <a:rPr lang="en-US" b="0" i="1" smtClean="0">
+                                  <a:latin typeface="Cambria Math" panose="02040503050406030204" pitchFamily="18" charset="0"/>
+                                </a:rPr>
+                                <m:t>⁡(</m:t>
+                              </m:r>
+                              <m:r>
+                                <a:rPr lang="en-US" b="0" i="1" smtClean="0">
+                                  <a:latin typeface="Cambria Math" panose="02040503050406030204" pitchFamily="18" charset="0"/>
+                                </a:rPr>
+                                <m:t>𝑥</m:t>
+                              </m:r>
+                              <m:r>
+                                <a:rPr lang="en-US" b="0" i="1" smtClean="0">
+                                  <a:latin typeface="Cambria Math" panose="02040503050406030204" pitchFamily="18" charset="0"/>
+                                </a:rPr>
+                                <m:t>)</m:t>
+                              </m:r>
+                            </m:e>
+                          </m:mr>
+                        </m:m>
+                      </m:e>
+                    </m:d>
+                  </m:oMath>
+                </a14:m>
+                <a:endParaRPr lang="en-US" dirty="0"/>
+              </a:p>
+              <a:p>
+                <a:pPr>
+                  <a:buNone/>
+                </a:pPr>
+                <a:r>
+                  <a:rPr lang="ru-RU" dirty="0" smtClean="0"/>
+                  <a:t>Умножение матрицы на матрицу:</a:t>
+                </a:r>
+              </a:p>
+              <a:p>
+                <a:pPr>
+                  <a:buNone/>
+                </a:pPr>
+                <a:r>
+                  <a:rPr lang="en-US" dirty="0" smtClean="0"/>
+                  <a:t> A[</a:t>
+                </a:r>
+                <a:r>
+                  <a:rPr lang="en-US" dirty="0" err="1" smtClean="0"/>
+                  <a:t>x,y</a:t>
+                </a:r>
+                <a:r>
+                  <a:rPr lang="en-US" dirty="0" smtClean="0"/>
+                  <a:t>]*B[</a:t>
+                </a:r>
+                <a:r>
+                  <a:rPr lang="en-US" dirty="0" err="1" smtClean="0"/>
+                  <a:t>y,z</a:t>
+                </a:r>
+                <a:r>
+                  <a:rPr lang="en-US" dirty="0" smtClean="0"/>
+                  <a:t>] = C[</a:t>
+                </a:r>
+                <a:r>
+                  <a:rPr lang="en-US" dirty="0" err="1" smtClean="0"/>
+                  <a:t>x,z</a:t>
+                </a:r>
+                <a:r>
+                  <a:rPr lang="en-US" dirty="0" smtClean="0"/>
+                  <a:t>], </a:t>
+                </a:r>
+                <a:r>
+                  <a:rPr lang="ru-RU" dirty="0" smtClean="0"/>
+                  <a:t>где </a:t>
+                </a:r>
+                <a:r>
+                  <a:rPr lang="en-US" dirty="0" smtClean="0"/>
+                  <a:t> </a:t>
+                </a:r>
+                <a14:m>
+                  <m:oMath xmlns:m="http://schemas.openxmlformats.org/officeDocument/2006/math">
+                    <m:sSub>
+                      <m:sSubPr>
+                        <m:ctrlPr>
+                          <a:rPr lang="ru-RU" i="1" smtClean="0">
+                            <a:latin typeface="Cambria Math" panose="02040503050406030204" pitchFamily="18" charset="0"/>
+                          </a:rPr>
+                        </m:ctrlPr>
+                      </m:sSubPr>
+                      <m:e>
+                        <m:r>
+                          <a:rPr lang="en-US" b="0" i="1" smtClean="0">
+                            <a:latin typeface="Cambria Math" panose="02040503050406030204" pitchFamily="18" charset="0"/>
+                          </a:rPr>
+                          <m:t>𝑐</m:t>
+                        </m:r>
+                      </m:e>
+                      <m:sub>
+                        <m:r>
+                          <a:rPr lang="en-US" b="0" i="1" smtClean="0">
+                            <a:latin typeface="Cambria Math" panose="02040503050406030204" pitchFamily="18" charset="0"/>
+                          </a:rPr>
+                          <m:t>𝑖𝑗</m:t>
+                        </m:r>
+                      </m:sub>
+                    </m:sSub>
+                    <m:r>
+                      <a:rPr lang="en-US" b="0" i="1" smtClean="0">
+                        <a:latin typeface="Cambria Math" panose="02040503050406030204" pitchFamily="18" charset="0"/>
+                      </a:rPr>
+                      <m:t>=</m:t>
+                    </m:r>
+                    <m:nary>
+                      <m:naryPr>
+                        <m:chr m:val="∑"/>
+                        <m:ctrlPr>
+                          <a:rPr lang="ru-RU" i="1" smtClean="0">
+                            <a:latin typeface="Cambria Math" panose="02040503050406030204" pitchFamily="18" charset="0"/>
+                          </a:rPr>
+                        </m:ctrlPr>
+                      </m:naryPr>
+                      <m:sub>
+                        <m:r>
+                          <m:rPr>
+                            <m:brk m:alnAt="23"/>
+                          </m:rPr>
+                          <a:rPr lang="en-US" b="0" i="1" smtClean="0">
+                            <a:latin typeface="Cambria Math" panose="02040503050406030204" pitchFamily="18" charset="0"/>
+                          </a:rPr>
+                          <m:t>𝑟</m:t>
+                        </m:r>
+                        <m:r>
+                          <a:rPr lang="en-US" b="0" i="1" smtClean="0">
+                            <a:latin typeface="Cambria Math" panose="02040503050406030204" pitchFamily="18" charset="0"/>
+                          </a:rPr>
+                          <m:t>=1</m:t>
+                        </m:r>
+                      </m:sub>
+                      <m:sup>
+                        <m:r>
+                          <a:rPr lang="en-US" b="0" i="1" smtClean="0">
+                            <a:latin typeface="Cambria Math" panose="02040503050406030204" pitchFamily="18" charset="0"/>
+                          </a:rPr>
+                          <m:t>𝑛</m:t>
+                        </m:r>
+                      </m:sup>
+                      <m:e>
+                        <m:sSub>
+                          <m:sSubPr>
+                            <m:ctrlPr>
+                              <a:rPr lang="ru-RU" i="1" smtClean="0">
+                                <a:latin typeface="Cambria Math" panose="02040503050406030204" pitchFamily="18" charset="0"/>
+                              </a:rPr>
+                            </m:ctrlPr>
+                          </m:sSubPr>
+                          <m:e>
+                            <m:r>
+                              <a:rPr lang="en-US" b="0" i="1" smtClean="0">
+                                <a:latin typeface="Cambria Math" panose="02040503050406030204" pitchFamily="18" charset="0"/>
+                              </a:rPr>
+                              <m:t>𝑎</m:t>
+                            </m:r>
+                          </m:e>
+                          <m:sub>
+                            <m:r>
+                              <a:rPr lang="en-US" b="0" i="1" smtClean="0">
+                                <a:latin typeface="Cambria Math" panose="02040503050406030204" pitchFamily="18" charset="0"/>
+                              </a:rPr>
+                              <m:t>𝑖𝑟</m:t>
+                            </m:r>
+                          </m:sub>
+                        </m:sSub>
+                        <m:sSub>
+                          <m:sSubPr>
+                            <m:ctrlPr>
+                              <a:rPr lang="ru-RU" i="1" smtClean="0">
+                                <a:latin typeface="Cambria Math" panose="02040503050406030204" pitchFamily="18" charset="0"/>
+                              </a:rPr>
+                            </m:ctrlPr>
+                          </m:sSubPr>
+                          <m:e>
+                            <m:r>
+                              <a:rPr lang="en-US" b="0" i="1" smtClean="0">
+                                <a:latin typeface="Cambria Math" panose="02040503050406030204" pitchFamily="18" charset="0"/>
+                              </a:rPr>
+                              <m:t>𝑏</m:t>
+                            </m:r>
+                          </m:e>
+                          <m:sub>
+                            <m:r>
+                              <a:rPr lang="en-US" b="0" i="1" smtClean="0">
+                                <a:latin typeface="Cambria Math" panose="02040503050406030204" pitchFamily="18" charset="0"/>
+                              </a:rPr>
+                              <m:t>𝑟𝑗</m:t>
+                            </m:r>
+                          </m:sub>
+                        </m:sSub>
+                      </m:e>
+                    </m:nary>
+                  </m:oMath>
+                </a14:m>
+                <a:endParaRPr lang="ru-RU" dirty="0"/>
+              </a:p>
+            </p:txBody>
+          </p:sp>
+        </mc:Choice>
+        <mc:Fallback>
+          <p:sp>
+            <p:nvSpPr>
+              <p:cNvPr id="3" name="Содержимое 2"/>
+              <p:cNvSpPr>
+                <a:spLocks noGrp="1" noRot="1" noChangeAspect="1" noMove="1" noResize="1" noEditPoints="1" noAdjustHandles="1" noChangeArrowheads="1" noChangeShapeType="1" noTextEdit="1"/>
+              </p:cNvSpPr>
+              <p:nvPr>
+                <p:ph idx="1"/>
+              </p:nvPr>
+            </p:nvSpPr>
+            <p:spPr>
+              <a:xfrm>
+                <a:off x="449925" y="2060848"/>
+                <a:ext cx="8229600" cy="4389120"/>
+              </a:xfrm>
+              <a:blipFill>
+                <a:blip r:embed="rId2"/>
+                <a:stretch>
+                  <a:fillRect l="-1333"/>
+                </a:stretch>
+              </a:blipFill>
+            </p:spPr>
+            <p:txBody>
+              <a:bodyPr/>
+              <a:lstStyle/>
+              <a:p>
+                <a:r>
+                  <a:rPr lang="ru-RU">
+                    <a:noFill/>
+                  </a:rPr>
+                  <a:t> </a:t>
+                </a:r>
+              </a:p>
+            </p:txBody>
+          </p:sp>
+        </mc:Fallback>
+      </mc:AlternateContent>
     </p:spTree>
   </p:cSld>
   <p:clrMapOvr>
     <a:masterClrMapping/>
   </p:clrMapOvr>
+  <p:timing>
+    <p:tnLst>
+      <p:par>
+        <p:cTn id="1" dur="indefinite" restart="never" nodeType="tmRoot"/>
+      </p:par>
+    </p:tnLst>
+  </p:timing>
 </p:sld>
 </file>
 
@@ -4701,6 +5135,13 @@
   <p:clrMapOvr>
     <a:masterClrMapping/>
   </p:clrMapOvr>
+  <p:timing>
+    <p:tnLst>
+      <p:par>
+        <p:cTn id="1" dur="indefinite" restart="never" nodeType="tmRoot"/>
+      </p:par>
+    </p:tnLst>
+  </p:timing>
 </p:sld>
 </file>
 
@@ -5455,24 +5896,13 @@
             </a:pPr>
             <a:r>
               <a:rPr lang="ru-RU" dirty="0" smtClean="0"/>
-              <a:t>	Решение: нарисовать ее черным, пока что проблема актуальна: остается черный след.</a:t>
-            </a:r>
-          </a:p>
-          <a:p>
+              <a:t>	Решение: нарисовать ее черным, пока что проблема актуальна: остается черный след</a:t>
+            </a:r>
             <a:r>
               <a:rPr lang="ru-RU" dirty="0" smtClean="0"/>
-              <a:t>Лень.</a:t>
-            </a:r>
-          </a:p>
-          <a:p>
-            <a:pPr>
-              <a:buNone/>
-            </a:pPr>
-            <a:r>
-              <a:rPr lang="ru-RU" dirty="0" smtClean="0"/>
-              <a:t>	Решение: еще не изобрели. </a:t>
-            </a:r>
-            <a:endParaRPr lang="ru-RU" dirty="0"/>
+              <a:t>.</a:t>
+            </a:r>
+            <a:endParaRPr lang="ru-RU" dirty="0" smtClean="0"/>
           </a:p>
         </p:txBody>
       </p:sp>
